--- a/Documents/Студентська Наукова Конференція/Зелінський_Олександр.pptx
+++ b/Documents/Студентська Наукова Конференція/Зелінський_Олександр.pptx
@@ -219,7 +219,7 @@
           <a:p>
             <a:fld id="{586FF3FF-D377-4670-B4E0-8859B8BB81C2}" type="datetimeFigureOut">
               <a:rPr lang="en-US" smtClean="0"/>
-              <a:t>5/7/2022</a:t>
+              <a:t>5/8/2022</a:t>
             </a:fld>
             <a:endParaRPr lang="en-US"/>
           </a:p>
@@ -1680,7 +1680,7 @@
           <a:p>
             <a:fld id="{716955FD-5218-4B18-8B2D-05970B9A6621}" type="datetimeFigureOut">
               <a:rPr lang="en-US" smtClean="0"/>
-              <a:t>5/7/2022</a:t>
+              <a:t>5/8/2022</a:t>
             </a:fld>
             <a:endParaRPr lang="en-US"/>
           </a:p>
@@ -1931,7 +1931,7 @@
           <a:p>
             <a:fld id="{716955FD-5218-4B18-8B2D-05970B9A6621}" type="datetimeFigureOut">
               <a:rPr lang="en-US" smtClean="0"/>
-              <a:t>5/7/2022</a:t>
+              <a:t>5/8/2022</a:t>
             </a:fld>
             <a:endParaRPr lang="en-US"/>
           </a:p>
@@ -2245,7 +2245,7 @@
           <a:p>
             <a:fld id="{716955FD-5218-4B18-8B2D-05970B9A6621}" type="datetimeFigureOut">
               <a:rPr lang="en-US" smtClean="0"/>
-              <a:t>5/7/2022</a:t>
+              <a:t>5/8/2022</a:t>
             </a:fld>
             <a:endParaRPr lang="en-US"/>
           </a:p>
@@ -2578,7 +2578,7 @@
           <a:p>
             <a:fld id="{716955FD-5218-4B18-8B2D-05970B9A6621}" type="datetimeFigureOut">
               <a:rPr lang="en-US" smtClean="0"/>
-              <a:t>5/7/2022</a:t>
+              <a:t>5/8/2022</a:t>
             </a:fld>
             <a:endParaRPr lang="en-US"/>
           </a:p>
@@ -2892,7 +2892,7 @@
           <a:p>
             <a:fld id="{716955FD-5218-4B18-8B2D-05970B9A6621}" type="datetimeFigureOut">
               <a:rPr lang="en-US" smtClean="0"/>
-              <a:t>5/7/2022</a:t>
+              <a:t>5/8/2022</a:t>
             </a:fld>
             <a:endParaRPr lang="en-US"/>
           </a:p>
@@ -3285,7 +3285,7 @@
           <a:p>
             <a:fld id="{716955FD-5218-4B18-8B2D-05970B9A6621}" type="datetimeFigureOut">
               <a:rPr lang="en-US" smtClean="0"/>
-              <a:t>5/7/2022</a:t>
+              <a:t>5/8/2022</a:t>
             </a:fld>
             <a:endParaRPr lang="en-US"/>
           </a:p>
@@ -3455,7 +3455,7 @@
           <a:p>
             <a:fld id="{716955FD-5218-4B18-8B2D-05970B9A6621}" type="datetimeFigureOut">
               <a:rPr lang="en-US" smtClean="0"/>
-              <a:t>5/7/2022</a:t>
+              <a:t>5/8/2022</a:t>
             </a:fld>
             <a:endParaRPr lang="en-US"/>
           </a:p>
@@ -3635,7 +3635,7 @@
           <a:p>
             <a:fld id="{716955FD-5218-4B18-8B2D-05970B9A6621}" type="datetimeFigureOut">
               <a:rPr lang="en-US" smtClean="0"/>
-              <a:t>5/7/2022</a:t>
+              <a:t>5/8/2022</a:t>
             </a:fld>
             <a:endParaRPr lang="en-US"/>
           </a:p>
@@ -3805,7 +3805,7 @@
           <a:p>
             <a:fld id="{716955FD-5218-4B18-8B2D-05970B9A6621}" type="datetimeFigureOut">
               <a:rPr lang="en-US" smtClean="0"/>
-              <a:t>5/7/2022</a:t>
+              <a:t>5/8/2022</a:t>
             </a:fld>
             <a:endParaRPr lang="en-US"/>
           </a:p>
@@ -4052,7 +4052,7 @@
           <a:p>
             <a:fld id="{716955FD-5218-4B18-8B2D-05970B9A6621}" type="datetimeFigureOut">
               <a:rPr lang="en-US" smtClean="0"/>
-              <a:t>5/7/2022</a:t>
+              <a:t>5/8/2022</a:t>
             </a:fld>
             <a:endParaRPr lang="en-US"/>
           </a:p>
@@ -4284,7 +4284,7 @@
           <a:p>
             <a:fld id="{716955FD-5218-4B18-8B2D-05970B9A6621}" type="datetimeFigureOut">
               <a:rPr lang="en-US" smtClean="0"/>
-              <a:t>5/7/2022</a:t>
+              <a:t>5/8/2022</a:t>
             </a:fld>
             <a:endParaRPr lang="en-US"/>
           </a:p>
@@ -4658,7 +4658,7 @@
           <a:p>
             <a:fld id="{716955FD-5218-4B18-8B2D-05970B9A6621}" type="datetimeFigureOut">
               <a:rPr lang="en-US" smtClean="0"/>
-              <a:t>5/7/2022</a:t>
+              <a:t>5/8/2022</a:t>
             </a:fld>
             <a:endParaRPr lang="en-US"/>
           </a:p>
@@ -4781,7 +4781,7 @@
           <a:p>
             <a:fld id="{716955FD-5218-4B18-8B2D-05970B9A6621}" type="datetimeFigureOut">
               <a:rPr lang="en-US" smtClean="0"/>
-              <a:t>5/7/2022</a:t>
+              <a:t>5/8/2022</a:t>
             </a:fld>
             <a:endParaRPr lang="en-US"/>
           </a:p>
@@ -4876,7 +4876,7 @@
           <a:p>
             <a:fld id="{716955FD-5218-4B18-8B2D-05970B9A6621}" type="datetimeFigureOut">
               <a:rPr lang="en-US" smtClean="0"/>
-              <a:t>5/7/2022</a:t>
+              <a:t>5/8/2022</a:t>
             </a:fld>
             <a:endParaRPr lang="en-US"/>
           </a:p>
@@ -5131,7 +5131,7 @@
           <a:p>
             <a:fld id="{716955FD-5218-4B18-8B2D-05970B9A6621}" type="datetimeFigureOut">
               <a:rPr lang="en-US" smtClean="0"/>
-              <a:t>5/7/2022</a:t>
+              <a:t>5/8/2022</a:t>
             </a:fld>
             <a:endParaRPr lang="en-US"/>
           </a:p>
@@ -5436,7 +5436,7 @@
           <a:p>
             <a:fld id="{716955FD-5218-4B18-8B2D-05970B9A6621}" type="datetimeFigureOut">
               <a:rPr lang="en-US" smtClean="0"/>
-              <a:t>5/7/2022</a:t>
+              <a:t>5/8/2022</a:t>
             </a:fld>
             <a:endParaRPr lang="en-US"/>
           </a:p>
@@ -6138,7 +6138,7 @@
           <a:p>
             <a:fld id="{716955FD-5218-4B18-8B2D-05970B9A6621}" type="datetimeFigureOut">
               <a:rPr lang="en-US" smtClean="0"/>
-              <a:t>5/7/2022</a:t>
+              <a:t>5/8/2022</a:t>
             </a:fld>
             <a:endParaRPr lang="en-US"/>
           </a:p>
@@ -14473,8 +14473,8 @@
           </a:p>
         </p:txBody>
       </p:sp>
-      <mc:AlternateContent xmlns:mc="http://schemas.openxmlformats.org/markup-compatibility/2006">
-        <mc:Choice xmlns:a14="http://schemas.microsoft.com/office/drawing/2010/main" Requires="a14">
+      <mc:AlternateContent xmlns:mc="http://schemas.openxmlformats.org/markup-compatibility/2006" xmlns:a14="http://schemas.microsoft.com/office/drawing/2010/main">
+        <mc:Choice Requires="a14">
           <p:sp>
             <p:nvSpPr>
               <p:cNvPr id="6" name="TextBox 5">
@@ -14870,7 +14870,7 @@
             </p:txBody>
           </p:sp>
         </mc:Choice>
-        <mc:Fallback>
+        <mc:Fallback xmlns="">
           <p:sp>
             <p:nvSpPr>
               <p:cNvPr id="6" name="TextBox 5">
